--- a/docs/W-9 Working Document/W-9.3 Presentation Slides/Phase 3/Submission/vms_presentation_3_v1.0.pptx
+++ b/docs/W-9 Working Document/W-9.3 Presentation Slides/Phase 3/Submission/vms_presentation_3_v1.0.pptx
@@ -2277,19 +2277,19 @@
     </dgm:pt>
   </dgm:ptLst>
   <dgm:cxnLst>
+    <dgm:cxn modelId="{4F805CDA-AF84-4E08-BC4F-0C99619FE2F8}" type="presOf" srcId="{EF1F78ED-E9D5-44E4-97D4-B3FEFD902986}" destId="{DD69F0F8-C7C4-4EF4-8C1C-51E0155113CE}" srcOrd="0" destOrd="0" presId="urn:microsoft.com/office/officeart/2005/8/layout/list1"/>
+    <dgm:cxn modelId="{6ECAA53B-94AB-44C0-BFB0-B285BF0D20B7}" type="presOf" srcId="{885613C5-7A76-4AA0-92F0-EEDD9B446661}" destId="{81666E97-5860-45F1-88A5-99FAA589A582}" srcOrd="0" destOrd="0" presId="urn:microsoft.com/office/officeart/2005/8/layout/list1"/>
+    <dgm:cxn modelId="{C99778AD-4EA2-413E-988E-63DB77468AE8}" srcId="{EF1F78ED-E9D5-44E4-97D4-B3FEFD902986}" destId="{68CDD154-F438-49AE-AED8-77DB9EC9D634}" srcOrd="1" destOrd="0" parTransId="{80147D89-2F73-4A3C-8D2E-F94C278F0084}" sibTransId="{8E8D4616-98CD-450E-B33D-2C9FC2B13B55}"/>
+    <dgm:cxn modelId="{35499995-00A1-42F3-8DDF-3D9E3F5BEB8F}" type="presOf" srcId="{BF9A83B9-8111-4B78-8600-312D1688C140}" destId="{8ED20E6A-F08F-4955-95AA-301A4ACB2F6E}" srcOrd="0" destOrd="0" presId="urn:microsoft.com/office/officeart/2005/8/layout/list1"/>
+    <dgm:cxn modelId="{04B3E604-C413-457E-B68C-5144C6DC9915}" srcId="{EF1F78ED-E9D5-44E4-97D4-B3FEFD902986}" destId="{89B52B6D-D82C-42B0-BE38-A3B3D68F9C27}" srcOrd="2" destOrd="0" parTransId="{A5642D67-0660-487A-A1E2-D092914AC2EB}" sibTransId="{86F3C531-528D-49DB-9EB7-8C6D718BDBE9}"/>
+    <dgm:cxn modelId="{1F7114F0-5DE3-4DE9-A921-58E29984CBB8}" type="presOf" srcId="{BF9A83B9-8111-4B78-8600-312D1688C140}" destId="{25B48118-6B58-4064-9C50-F7B4852148FC}" srcOrd="1" destOrd="0" presId="urn:microsoft.com/office/officeart/2005/8/layout/list1"/>
+    <dgm:cxn modelId="{41B59570-FE80-4E7F-9E79-0C4F1EE64B49}" srcId="{EF1F78ED-E9D5-44E4-97D4-B3FEFD902986}" destId="{885613C5-7A76-4AA0-92F0-EEDD9B446661}" srcOrd="0" destOrd="0" parTransId="{A964CD41-1FAB-4DC7-BFB1-8EFFD3ADEC73}" sibTransId="{6C21FB75-BC17-41CC-880D-0FB92EFFD8D8}"/>
+    <dgm:cxn modelId="{8C353EE9-137E-4342-B69C-258B369F2DEB}" type="presOf" srcId="{68CDD154-F438-49AE-AED8-77DB9EC9D634}" destId="{21C03DFF-8234-4BBD-95B9-2622D999B6CC}" srcOrd="0" destOrd="0" presId="urn:microsoft.com/office/officeart/2005/8/layout/list1"/>
+    <dgm:cxn modelId="{8FBAEF7C-3AAC-45F5-AA6B-9C5CBEB2D459}" type="presOf" srcId="{89B52B6D-D82C-42B0-BE38-A3B3D68F9C27}" destId="{0BB3654B-9C6D-4A61-87CC-E802B5686BC1}" srcOrd="0" destOrd="0" presId="urn:microsoft.com/office/officeart/2005/8/layout/list1"/>
+    <dgm:cxn modelId="{BA1F67D6-1182-49BE-8474-0DE895C335F1}" type="presOf" srcId="{68CDD154-F438-49AE-AED8-77DB9EC9D634}" destId="{66C22AF7-7E37-41D2-944C-F904CFD2965B}" srcOrd="1" destOrd="0" presId="urn:microsoft.com/office/officeart/2005/8/layout/list1"/>
+    <dgm:cxn modelId="{CB57BA4F-ABA8-48A9-9D26-B1279D4664BC}" srcId="{EF1F78ED-E9D5-44E4-97D4-B3FEFD902986}" destId="{BF9A83B9-8111-4B78-8600-312D1688C140}" srcOrd="3" destOrd="0" parTransId="{8FA8D553-4648-4D63-9876-6E7449F8F18A}" sibTransId="{9D0571FA-F277-43A1-BCD9-ED2072122346}"/>
     <dgm:cxn modelId="{F9582DDB-DFC3-4175-B98C-F72B5BECD3C0}" type="presOf" srcId="{89B52B6D-D82C-42B0-BE38-A3B3D68F9C27}" destId="{FB899ED4-0995-40A2-A345-468203D60C81}" srcOrd="1" destOrd="0" presId="urn:microsoft.com/office/officeart/2005/8/layout/list1"/>
-    <dgm:cxn modelId="{8FBAEF7C-3AAC-45F5-AA6B-9C5CBEB2D459}" type="presOf" srcId="{89B52B6D-D82C-42B0-BE38-A3B3D68F9C27}" destId="{0BB3654B-9C6D-4A61-87CC-E802B5686BC1}" srcOrd="0" destOrd="0" presId="urn:microsoft.com/office/officeart/2005/8/layout/list1"/>
-    <dgm:cxn modelId="{8C353EE9-137E-4342-B69C-258B369F2DEB}" type="presOf" srcId="{68CDD154-F438-49AE-AED8-77DB9EC9D634}" destId="{21C03DFF-8234-4BBD-95B9-2622D999B6CC}" srcOrd="0" destOrd="0" presId="urn:microsoft.com/office/officeart/2005/8/layout/list1"/>
-    <dgm:cxn modelId="{41B59570-FE80-4E7F-9E79-0C4F1EE64B49}" srcId="{EF1F78ED-E9D5-44E4-97D4-B3FEFD902986}" destId="{885613C5-7A76-4AA0-92F0-EEDD9B446661}" srcOrd="0" destOrd="0" parTransId="{A964CD41-1FAB-4DC7-BFB1-8EFFD3ADEC73}" sibTransId="{6C21FB75-BC17-41CC-880D-0FB92EFFD8D8}"/>
-    <dgm:cxn modelId="{35499995-00A1-42F3-8DDF-3D9E3F5BEB8F}" type="presOf" srcId="{BF9A83B9-8111-4B78-8600-312D1688C140}" destId="{8ED20E6A-F08F-4955-95AA-301A4ACB2F6E}" srcOrd="0" destOrd="0" presId="urn:microsoft.com/office/officeart/2005/8/layout/list1"/>
-    <dgm:cxn modelId="{1F7114F0-5DE3-4DE9-A921-58E29984CBB8}" type="presOf" srcId="{BF9A83B9-8111-4B78-8600-312D1688C140}" destId="{25B48118-6B58-4064-9C50-F7B4852148FC}" srcOrd="1" destOrd="0" presId="urn:microsoft.com/office/officeart/2005/8/layout/list1"/>
-    <dgm:cxn modelId="{4F805CDA-AF84-4E08-BC4F-0C99619FE2F8}" type="presOf" srcId="{EF1F78ED-E9D5-44E4-97D4-B3FEFD902986}" destId="{DD69F0F8-C7C4-4EF4-8C1C-51E0155113CE}" srcOrd="0" destOrd="0" presId="urn:microsoft.com/office/officeart/2005/8/layout/list1"/>
-    <dgm:cxn modelId="{BA1F67D6-1182-49BE-8474-0DE895C335F1}" type="presOf" srcId="{68CDD154-F438-49AE-AED8-77DB9EC9D634}" destId="{66C22AF7-7E37-41D2-944C-F904CFD2965B}" srcOrd="1" destOrd="0" presId="urn:microsoft.com/office/officeart/2005/8/layout/list1"/>
-    <dgm:cxn modelId="{04B3E604-C413-457E-B68C-5144C6DC9915}" srcId="{EF1F78ED-E9D5-44E4-97D4-B3FEFD902986}" destId="{89B52B6D-D82C-42B0-BE38-A3B3D68F9C27}" srcOrd="2" destOrd="0" parTransId="{A5642D67-0660-487A-A1E2-D092914AC2EB}" sibTransId="{86F3C531-528D-49DB-9EB7-8C6D718BDBE9}"/>
-    <dgm:cxn modelId="{CB57BA4F-ABA8-48A9-9D26-B1279D4664BC}" srcId="{EF1F78ED-E9D5-44E4-97D4-B3FEFD902986}" destId="{BF9A83B9-8111-4B78-8600-312D1688C140}" srcOrd="3" destOrd="0" parTransId="{8FA8D553-4648-4D63-9876-6E7449F8F18A}" sibTransId="{9D0571FA-F277-43A1-BCD9-ED2072122346}"/>
-    <dgm:cxn modelId="{6ECAA53B-94AB-44C0-BFB0-B285BF0D20B7}" type="presOf" srcId="{885613C5-7A76-4AA0-92F0-EEDD9B446661}" destId="{81666E97-5860-45F1-88A5-99FAA589A582}" srcOrd="0" destOrd="0" presId="urn:microsoft.com/office/officeart/2005/8/layout/list1"/>
     <dgm:cxn modelId="{C0908D23-9A99-4281-96DC-EC491AE830BD}" type="presOf" srcId="{885613C5-7A76-4AA0-92F0-EEDD9B446661}" destId="{E1A9A929-FEE8-4155-9F48-FAC5EE533310}" srcOrd="1" destOrd="0" presId="urn:microsoft.com/office/officeart/2005/8/layout/list1"/>
-    <dgm:cxn modelId="{C99778AD-4EA2-413E-988E-63DB77468AE8}" srcId="{EF1F78ED-E9D5-44E4-97D4-B3FEFD902986}" destId="{68CDD154-F438-49AE-AED8-77DB9EC9D634}" srcOrd="1" destOrd="0" parTransId="{80147D89-2F73-4A3C-8D2E-F94C278F0084}" sibTransId="{8E8D4616-98CD-450E-B33D-2C9FC2B13B55}"/>
     <dgm:cxn modelId="{2E8FBE82-60D5-4E28-8788-90C6768A8748}" type="presParOf" srcId="{DD69F0F8-C7C4-4EF4-8C1C-51E0155113CE}" destId="{2AC9D863-F73C-450B-9D85-60B005DA622F}" srcOrd="0" destOrd="0" presId="urn:microsoft.com/office/officeart/2005/8/layout/list1"/>
     <dgm:cxn modelId="{603A55B6-86E0-4120-AA17-3BF5F4392877}" type="presParOf" srcId="{2AC9D863-F73C-450B-9D85-60B005DA622F}" destId="{81666E97-5860-45F1-88A5-99FAA589A582}" srcOrd="0" destOrd="0" presId="urn:microsoft.com/office/officeart/2005/8/layout/list1"/>
     <dgm:cxn modelId="{267E8874-1357-4B3B-93DE-31ACF87BB41F}" type="presParOf" srcId="{2AC9D863-F73C-450B-9D85-60B005DA622F}" destId="{E1A9A929-FEE8-4155-9F48-FAC5EE533310}" srcOrd="1" destOrd="0" presId="urn:microsoft.com/office/officeart/2005/8/layout/list1"/>
@@ -14170,8 +14170,25 @@
                   </a:schemeClr>
                 </a:solidFill>
               </a:rPr>
-              <a:t>Project Revisit</a:t>
-            </a:r>
+              <a:t>Project </a:t>
+            </a:r>
+            <a:r>
+              <a:rPr lang="en-US" dirty="0" smtClean="0">
+                <a:solidFill>
+                  <a:schemeClr val="bg1">
+                    <a:lumMod val="65000"/>
+                  </a:schemeClr>
+                </a:solidFill>
+              </a:rPr>
+              <a:t>Background</a:t>
+            </a:r>
+            <a:endParaRPr lang="en-US" dirty="0">
+              <a:solidFill>
+                <a:schemeClr val="bg1">
+                  <a:lumMod val="65000"/>
+                </a:schemeClr>
+              </a:solidFill>
+            </a:endParaRPr>
           </a:p>
           <a:p>
             <a:pPr>
@@ -14776,13 +14793,8 @@
             </a:pPr>
             <a:r>
               <a:rPr lang="en-US" dirty="0" smtClean="0"/>
-              <a:t>Slippage by 2 weeks for code </a:t>
-            </a:r>
-            <a:r>
-              <a:rPr lang="en-US" dirty="0" smtClean="0"/>
-              <a:t>implementation due to refactoring needed for non-standard works</a:t>
-            </a:r>
-            <a:endParaRPr lang="en-US" dirty="0" smtClean="0"/>
+              <a:t>Slippage by 2 weeks for code implementation due to refactoring needed for non-standard works</a:t>
+            </a:r>
           </a:p>
           <a:p>
             <a:pPr lvl="2">
@@ -14983,11 +14995,7 @@
           <a:p>
             <a:r>
               <a:rPr lang="en-US" dirty="0" smtClean="0"/>
-              <a:t>Challenges &amp; Solution - </a:t>
-            </a:r>
-            <a:r>
-              <a:rPr lang="en-US" dirty="0" smtClean="0"/>
-              <a:t>3</a:t>
+              <a:t>Challenges &amp; Solution - 3</a:t>
             </a:r>
             <a:endParaRPr lang="en-US" dirty="0"/>
           </a:p>
@@ -15033,21 +15041,8 @@
             </a:pPr>
             <a:r>
               <a:rPr lang="en-US" dirty="0" smtClean="0"/>
-              <a:t>Slippage </a:t>
-            </a:r>
-            <a:r>
-              <a:rPr lang="en-US" dirty="0" smtClean="0"/>
-              <a:t>by 2 weeks </a:t>
-            </a:r>
-            <a:r>
-              <a:rPr lang="en-US" dirty="0" smtClean="0"/>
-              <a:t>due to</a:t>
-            </a:r>
-            <a:r>
-              <a:rPr lang="en-US" dirty="0" smtClean="0"/>
-              <a:t> refactoring</a:t>
-            </a:r>
-            <a:endParaRPr lang="en-US" dirty="0" smtClean="0"/>
+              <a:t>Slippage by 2 weeks due to refactoring</a:t>
+            </a:r>
           </a:p>
           <a:p>
             <a:pPr lvl="2">
@@ -15076,13 +15071,8 @@
             </a:pPr>
             <a:r>
               <a:rPr lang="en-US" dirty="0" smtClean="0"/>
-              <a:t>Proactive engagement of </a:t>
-            </a:r>
-            <a:r>
-              <a:rPr lang="en-US" dirty="0" smtClean="0"/>
-              <a:t>code review:</a:t>
-            </a:r>
-            <a:endParaRPr lang="en-US" dirty="0" smtClean="0"/>
+              <a:t>Proactive engagement of code review:</a:t>
+            </a:r>
           </a:p>
           <a:p>
             <a:pPr lvl="2">
@@ -15091,13 +15081,8 @@
             </a:pPr>
             <a:r>
               <a:rPr lang="en-US" dirty="0" smtClean="0"/>
-              <a:t>Extensive </a:t>
-            </a:r>
-            <a:r>
-              <a:rPr lang="en-US" dirty="0" smtClean="0"/>
-              <a:t>code walk through, meeting minutes</a:t>
-            </a:r>
-            <a:endParaRPr lang="en-US" dirty="0" smtClean="0"/>
+              <a:t>Extensive code walk through, meeting minutes</a:t>
+            </a:r>
           </a:p>
           <a:p>
             <a:pPr lvl="1">
@@ -15126,15 +15111,7 @@
             </a:pPr>
             <a:r>
               <a:rPr lang="en-US" dirty="0" smtClean="0"/>
-              <a:t>Early problem report / </a:t>
-            </a:r>
-            <a:r>
-              <a:rPr lang="en-US" dirty="0" smtClean="0"/>
-              <a:t>surface </a:t>
-            </a:r>
-            <a:r>
-              <a:rPr lang="en-US" dirty="0" smtClean="0"/>
-              <a:t>issue </a:t>
+              <a:t>Early problem report / surface issue </a:t>
             </a:r>
             <a:r>
               <a:rPr lang="en-US" dirty="0" err="1" smtClean="0"/>
@@ -15330,7 +15307,6 @@
               <a:rPr lang="en-US" dirty="0" smtClean="0"/>
               <a:t>Error message post-back</a:t>
             </a:r>
-            <a:endParaRPr lang="en-US" dirty="0" smtClean="0"/>
           </a:p>
           <a:p>
             <a:pPr>
@@ -15369,7 +15345,6 @@
               <a:rPr lang="en-US" dirty="0" smtClean="0"/>
               <a:t> before post-back</a:t>
             </a:r>
-            <a:endParaRPr lang="en-US" dirty="0" smtClean="0"/>
           </a:p>
           <a:p>
             <a:pPr>
@@ -16597,16 +16572,6 @@
               <a:buChar char="v"/>
             </a:pPr>
             <a:r>
-              <a:rPr lang="en-US" dirty="0">
-                <a:solidFill>
-                  <a:schemeClr val="bg1">
-                    <a:lumMod val="65000"/>
-                  </a:schemeClr>
-                </a:solidFill>
-              </a:rPr>
-              <a:t>Development </a:t>
-            </a:r>
-            <a:r>
               <a:rPr lang="en-US" dirty="0" smtClean="0">
                 <a:solidFill>
                   <a:schemeClr val="bg1">
@@ -16614,7 +16579,7 @@
                   </a:schemeClr>
                 </a:solidFill>
               </a:rPr>
-              <a:t>Strategy</a:t>
+              <a:t>Implementation Strategy</a:t>
             </a:r>
             <a:endParaRPr lang="en-US" dirty="0">
               <a:solidFill>
@@ -16653,6 +16618,26 @@
               <a:buChar char="v"/>
             </a:pPr>
             <a:r>
+              <a:rPr lang="en-US">
+                <a:solidFill>
+                  <a:schemeClr val="bg1">
+                    <a:lumMod val="65000"/>
+                  </a:schemeClr>
+                </a:solidFill>
+              </a:rPr>
+              <a:t>Demo </a:t>
+            </a:r>
+            <a:r>
+              <a:rPr lang="en-US" smtClean="0">
+                <a:solidFill>
+                  <a:schemeClr val="bg1">
+                    <a:lumMod val="65000"/>
+                  </a:schemeClr>
+                </a:solidFill>
+              </a:rPr>
+              <a:t>of </a:t>
+            </a:r>
+            <a:r>
               <a:rPr lang="en-US" dirty="0">
                 <a:solidFill>
                   <a:schemeClr val="bg1">
@@ -16660,7 +16645,7 @@
                   </a:schemeClr>
                 </a:solidFill>
               </a:rPr>
-              <a:t>Demo – VMS v1.0</a:t>
+              <a:t>VMS v1.0</a:t>
             </a:r>
           </a:p>
           <a:p>
@@ -17002,13 +16987,8 @@
             </a:pPr>
             <a:r>
               <a:rPr lang="en-US" sz="900" b="1" dirty="0" smtClean="0"/>
-              <a:t>Project slippage: implementation phases slipped by </a:t>
-            </a:r>
-            <a:r>
-              <a:rPr lang="en-US" sz="900" b="1" dirty="0" smtClean="0"/>
-              <a:t>2 weeks, SIT slipped by 1 weeks</a:t>
-            </a:r>
-            <a:endParaRPr lang="en-US" sz="900" b="1" dirty="0" smtClean="0"/>
+              <a:t>Project slippage: implementation phases slipped by 2 weeks, SIT slipped by 1 weeks</a:t>
+            </a:r>
           </a:p>
           <a:p>
             <a:pPr lvl="1">
@@ -17017,21 +16997,8 @@
             </a:pPr>
             <a:r>
               <a:rPr lang="en-US" sz="900" b="1" dirty="0" smtClean="0"/>
-              <a:t>Mitigation strategy: </a:t>
-            </a:r>
-            <a:r>
-              <a:rPr lang="en-US" sz="900" b="1" dirty="0" smtClean="0"/>
-              <a:t>run extra </a:t>
-            </a:r>
-            <a:r>
-              <a:rPr lang="en-US" sz="900" b="1" dirty="0" smtClean="0"/>
-              <a:t>miles / extra work / </a:t>
-            </a:r>
-            <a:r>
-              <a:rPr lang="en-US" sz="900" b="1" dirty="0" smtClean="0"/>
-              <a:t>active progress checking</a:t>
-            </a:r>
-            <a:endParaRPr lang="en-US" sz="900" b="1" dirty="0" smtClean="0"/>
+              <a:t>Mitigation strategy: run extra miles / extra work / active progress checking</a:t>
+            </a:r>
           </a:p>
           <a:p>
             <a:pPr>
@@ -17258,16 +17225,6 @@
               <a:buChar char="v"/>
             </a:pPr>
             <a:r>
-              <a:rPr lang="en-US" dirty="0">
-                <a:solidFill>
-                  <a:schemeClr val="bg1">
-                    <a:lumMod val="65000"/>
-                  </a:schemeClr>
-                </a:solidFill>
-              </a:rPr>
-              <a:t>Development </a:t>
-            </a:r>
-            <a:r>
               <a:rPr lang="en-US" dirty="0" smtClean="0">
                 <a:solidFill>
                   <a:schemeClr val="bg1">
@@ -17275,7 +17232,7 @@
                   </a:schemeClr>
                 </a:solidFill>
               </a:rPr>
-              <a:t>Strategy</a:t>
+              <a:t>Implementation Strategy</a:t>
             </a:r>
             <a:endParaRPr lang="en-US" dirty="0">
               <a:solidFill>
@@ -17321,14 +17278,18 @@
                   </a:schemeClr>
                 </a:solidFill>
               </a:rPr>
-              <a:t>Demo – VMS v1.0</a:t>
-            </a:r>
-          </a:p>
-          <a:p>
-            <a:pPr>
-              <a:buFont typeface="Wingdings" pitchFamily="2" charset="2"/>
-              <a:buChar char="v"/>
-            </a:pPr>
+              <a:t>Demo </a:t>
+            </a:r>
+            <a:r>
+              <a:rPr lang="en-US" dirty="0" smtClean="0">
+                <a:solidFill>
+                  <a:schemeClr val="bg1">
+                    <a:lumMod val="65000"/>
+                  </a:schemeClr>
+                </a:solidFill>
+              </a:rPr>
+              <a:t>of </a:t>
+            </a:r>
             <a:r>
               <a:rPr lang="en-US" dirty="0">
                 <a:solidFill>
@@ -17337,8 +17298,14 @@
                   </a:schemeClr>
                 </a:solidFill>
               </a:rPr>
-              <a:t>End Project </a:t>
-            </a:r>
+              <a:t>VMS v1.0</a:t>
+            </a:r>
+          </a:p>
+          <a:p>
+            <a:pPr>
+              <a:buFont typeface="Wingdings" pitchFamily="2" charset="2"/>
+              <a:buChar char="v"/>
+            </a:pPr>
             <a:r>
               <a:rPr lang="en-US" dirty="0">
                 <a:solidFill>
@@ -17347,7 +17314,7 @@
                   </a:schemeClr>
                 </a:solidFill>
               </a:rPr>
-              <a:t>Report</a:t>
+              <a:t>End Project Report</a:t>
             </a:r>
           </a:p>
           <a:p>
@@ -17409,7 +17376,7 @@
         </p:blipFill>
         <p:spPr bwMode="auto">
           <a:xfrm>
-            <a:off x="5562600" y="4724400"/>
+            <a:off x="5715000" y="2057400"/>
             <a:ext cx="3259296" cy="1836539"/>
           </a:xfrm>
           <a:prstGeom prst="rect">
@@ -17689,7 +17656,6 @@
               <a:rPr lang="en-US" sz="2100" b="1" dirty="0" smtClean="0"/>
               <a:t>New Functionalities :</a:t>
             </a:r>
-            <a:endParaRPr lang="en-US" sz="2100" b="1" dirty="0" smtClean="0"/>
           </a:p>
           <a:p>
             <a:pPr lvl="2">
@@ -17698,13 +17664,8 @@
             </a:pPr>
             <a:r>
               <a:rPr lang="en-US" sz="1900" dirty="0" smtClean="0"/>
-              <a:t>Itinerary </a:t>
-            </a:r>
-            <a:r>
-              <a:rPr lang="en-US" sz="1900" dirty="0" smtClean="0"/>
-              <a:t>Management (new)</a:t>
-            </a:r>
-            <a:endParaRPr lang="en-US" sz="1900" dirty="0" smtClean="0"/>
+              <a:t>Itinerary Management (new)</a:t>
+            </a:r>
           </a:p>
           <a:p>
             <a:pPr lvl="2">
@@ -17713,17 +17674,8 @@
             </a:pPr>
             <a:r>
               <a:rPr lang="en-US" sz="1900" dirty="0" smtClean="0"/>
-              <a:t>Project </a:t>
-            </a:r>
-            <a:r>
-              <a:rPr lang="en-US" sz="1900" dirty="0" smtClean="0"/>
-              <a:t>Tasks / Calendar </a:t>
-            </a:r>
-            <a:r>
-              <a:rPr lang="en-US" sz="1900" dirty="0" smtClean="0"/>
-              <a:t>(new)</a:t>
-            </a:r>
-            <a:endParaRPr lang="en-US" sz="1900" dirty="0" smtClean="0"/>
+              <a:t>Project Tasks / Calendar (new)</a:t>
+            </a:r>
           </a:p>
           <a:p>
             <a:pPr lvl="2">
@@ -17732,13 +17684,8 @@
             </a:pPr>
             <a:r>
               <a:rPr lang="en-US" sz="1900" dirty="0" smtClean="0"/>
-              <a:t>Project </a:t>
-            </a:r>
-            <a:r>
-              <a:rPr lang="en-US" sz="1900" dirty="0" smtClean="0"/>
-              <a:t>Tracking (new)</a:t>
-            </a:r>
-            <a:endParaRPr lang="en-US" sz="1900" dirty="0" smtClean="0"/>
+              <a:t>Project Tracking (new)</a:t>
+            </a:r>
           </a:p>
           <a:p>
             <a:pPr lvl="1">
@@ -17757,11 +17704,7 @@
             </a:pPr>
             <a:r>
               <a:rPr lang="en-US" sz="1900" dirty="0" smtClean="0"/>
-              <a:t>Mass </a:t>
-            </a:r>
-            <a:r>
-              <a:rPr lang="en-US" sz="1900" dirty="0" smtClean="0"/>
-              <a:t>email component: email queues</a:t>
+              <a:t>Mass email component: email queues</a:t>
             </a:r>
           </a:p>
           <a:p>
@@ -17773,7 +17716,6 @@
               <a:rPr lang="en-US" sz="1900" dirty="0" smtClean="0"/>
               <a:t>Messaging, Integration point</a:t>
             </a:r>
-            <a:endParaRPr lang="en-US" sz="1900" dirty="0" smtClean="0"/>
           </a:p>
           <a:p>
             <a:pPr lvl="2">
@@ -17782,13 +17724,8 @@
             </a:pPr>
             <a:r>
               <a:rPr lang="en-US" sz="1900" dirty="0" smtClean="0"/>
-              <a:t>Exposed </a:t>
-            </a:r>
-            <a:r>
-              <a:rPr lang="en-US" sz="1900" dirty="0" smtClean="0"/>
-              <a:t>API</a:t>
-            </a:r>
-            <a:endParaRPr lang="en-US" sz="1900" dirty="0" smtClean="0"/>
+              <a:t>Exposed API</a:t>
+            </a:r>
           </a:p>
           <a:p>
             <a:pPr lvl="2">
@@ -17797,17 +17734,8 @@
             </a:pPr>
             <a:r>
               <a:rPr lang="en-US" sz="1900" dirty="0" smtClean="0"/>
-              <a:t>Integrate </a:t>
-            </a:r>
-            <a:r>
-              <a:rPr lang="en-US" sz="1900" dirty="0" smtClean="0"/>
-              <a:t>with popular platform: Facebook, </a:t>
-            </a:r>
-            <a:r>
-              <a:rPr lang="en-US" sz="1900" dirty="0" smtClean="0"/>
-              <a:t>Twitter…etc.</a:t>
-            </a:r>
-            <a:endParaRPr lang="en-US" sz="1900" dirty="0" smtClean="0"/>
+              <a:t>Integrate with popular platform: Facebook, Twitter…etc.</a:t>
+            </a:r>
           </a:p>
         </p:txBody>
       </p:sp>
@@ -18187,7 +18115,17 @@
                   </a:schemeClr>
                 </a:solidFill>
               </a:rPr>
-              <a:t>Development Strategy</a:t>
+              <a:t>Implementation </a:t>
+            </a:r>
+            <a:r>
+              <a:rPr lang="en-US" dirty="0" smtClean="0">
+                <a:solidFill>
+                  <a:schemeClr val="bg1">
+                    <a:lumMod val="65000"/>
+                  </a:schemeClr>
+                </a:solidFill>
+              </a:rPr>
+              <a:t>Strategy</a:t>
             </a:r>
           </a:p>
           <a:p>
@@ -19361,17 +19299,7 @@
                   </a:schemeClr>
                 </a:solidFill>
               </a:rPr>
-              <a:t>Demo </a:t>
-            </a:r>
-            <a:r>
-              <a:rPr lang="en-US" dirty="0" smtClean="0">
-                <a:solidFill>
-                  <a:schemeClr val="bg1">
-                    <a:lumMod val="65000"/>
-                  </a:schemeClr>
-                </a:solidFill>
-              </a:rPr>
-              <a:t>of VMS v1.0</a:t>
+              <a:t>Demo of VMS v1.0</a:t>
             </a:r>
           </a:p>
           <a:p>
@@ -20683,8 +20611,25 @@
                   </a:schemeClr>
                 </a:solidFill>
               </a:rPr>
-              <a:t>Project Revisit</a:t>
-            </a:r>
+              <a:t>Project </a:t>
+            </a:r>
+            <a:r>
+              <a:rPr lang="en-US" dirty="0" smtClean="0">
+                <a:solidFill>
+                  <a:schemeClr val="bg1">
+                    <a:lumMod val="65000"/>
+                  </a:schemeClr>
+                </a:solidFill>
+              </a:rPr>
+              <a:t>Background</a:t>
+            </a:r>
+            <a:endParaRPr lang="en-US" dirty="0">
+              <a:solidFill>
+                <a:schemeClr val="bg1">
+                  <a:lumMod val="65000"/>
+                </a:schemeClr>
+              </a:solidFill>
+            </a:endParaRPr>
           </a:p>
           <a:p>
             <a:pPr>
